--- a/docs/胡斯庭.pptx
+++ b/docs/胡斯庭.pptx
@@ -7,11 +7,13 @@
   <p:sldIdLst>
     <p:sldId id="257" r:id="rId3"/>
     <p:sldId id="256" r:id="rId4"/>
-    <p:sldId id="258" r:id="rId5"/>
-    <p:sldId id="259" r:id="rId6"/>
-    <p:sldId id="260" r:id="rId7"/>
-    <p:sldId id="261" r:id="rId8"/>
-    <p:sldId id="262" r:id="rId9"/>
+    <p:sldId id="265" r:id="rId5"/>
+    <p:sldId id="258" r:id="rId6"/>
+    <p:sldId id="264" r:id="rId7"/>
+    <p:sldId id="259" r:id="rId8"/>
+    <p:sldId id="260" r:id="rId9"/>
+    <p:sldId id="261" r:id="rId10"/>
+    <p:sldId id="262" r:id="rId11"/>
   </p:sldIdLst>
   <p:sldSz cx="12192000" cy="6858000"/>
   <p:notesSz cx="7103745" cy="10234295"/>
@@ -4479,22 +4481,32 @@
           </a:p>
         </p:txBody>
       </p:sp>
-      <p:sp>
-        <p:nvSpPr>
-          <p:cNvPr id="5" name="内容占位符 4"/>
-          <p:cNvSpPr/>
+      <p:pic>
+        <p:nvPicPr>
+          <p:cNvPr id="4" name="内容占位符 3"/>
+          <p:cNvPicPr>
+            <a:picLocks noChangeAspect="1"/>
+          </p:cNvPicPr>
           <p:nvPr>
             <p:ph idx="1"/>
           </p:nvPr>
-        </p:nvSpPr>
-        <p:spPr/>
-        <p:txBody>
-          <a:bodyPr/>
-          <a:p>
-            <a:endParaRPr lang="zh-CN" altLang="en-US"/>
-          </a:p>
-        </p:txBody>
-      </p:sp>
+        </p:nvPicPr>
+        <p:blipFill>
+          <a:blip r:embed="rId1"/>
+          <a:stretch>
+            <a:fillRect/>
+          </a:stretch>
+        </p:blipFill>
+        <p:spPr>
+          <a:xfrm>
+            <a:off x="-17780" y="3175"/>
+            <a:ext cx="12201525" cy="6866890"/>
+          </a:xfrm>
+          <a:prstGeom prst="rect">
+            <a:avLst/>
+          </a:prstGeom>
+        </p:spPr>
+      </p:pic>
     </p:spTree>
   </p:cSld>
   <p:clrMapOvr>
@@ -4525,121 +4537,30 @@
         <p:nvPr/>
       </p:nvGrpSpPr>
       <p:grpSpPr/>
-      <p:sp>
-        <p:nvSpPr>
-          <p:cNvPr id="2" name="标题 1"/>
-          <p:cNvSpPr>
-            <a:spLocks noGrp="1"/>
-          </p:cNvSpPr>
-          <p:nvPr>
-            <p:ph type="title"/>
-          </p:nvPr>
-        </p:nvSpPr>
-        <p:spPr/>
-        <p:txBody>
-          <a:bodyPr/>
-          <a:p>
-            <a:r>
-              <a:rPr lang="zh-CN" altLang="en-US"/>
-              <a:t>组员分工</a:t>
-            </a:r>
-            <a:endParaRPr lang="zh-CN" altLang="en-US"/>
-          </a:p>
-        </p:txBody>
-      </p:sp>
-      <p:sp>
-        <p:nvSpPr>
-          <p:cNvPr id="3" name="内容占位符 2"/>
-          <p:cNvSpPr>
-            <a:spLocks noGrp="1"/>
-          </p:cNvSpPr>
-          <p:nvPr>
-            <p:ph idx="1"/>
-          </p:nvPr>
-        </p:nvSpPr>
-        <p:spPr/>
-        <p:txBody>
-          <a:bodyPr/>
-          <a:p>
-            <a:pPr marL="0" indent="0">
-              <a:buNone/>
-            </a:pPr>
-            <a:r>
-              <a:rPr lang="zh-CN" altLang="en-US"/>
-              <a:t>前端开发：宿金玉 胡斯庭</a:t>
-            </a:r>
-            <a:endParaRPr lang="zh-CN" altLang="en-US"/>
-          </a:p>
-          <a:p>
-            <a:pPr marL="0" indent="0">
-              <a:buNone/>
-            </a:pPr>
-            <a:r>
-              <a:rPr lang="zh-CN" altLang="en-US"/>
-              <a:t>后端开发：胡斯庭 董雨潇</a:t>
-            </a:r>
-            <a:endParaRPr lang="zh-CN" altLang="en-US"/>
-          </a:p>
-          <a:p>
-            <a:pPr marL="0" indent="0">
-              <a:buNone/>
-            </a:pPr>
-            <a:endParaRPr lang="zh-CN" altLang="en-US"/>
-          </a:p>
-          <a:p>
-            <a:pPr marL="0" indent="0">
-              <a:buNone/>
-            </a:pPr>
-            <a:r>
-              <a:rPr lang="zh-CN" altLang="en-US"/>
-              <a:t>主要负责模块：</a:t>
-            </a:r>
-            <a:endParaRPr lang="en-US" altLang="zh-CN"/>
-          </a:p>
-          <a:p>
-            <a:pPr marL="0" indent="0">
-              <a:buNone/>
-            </a:pPr>
-            <a:r>
-              <a:rPr lang="zh-CN" altLang="en-US"/>
-              <a:t>胡斯庭</a:t>
-            </a:r>
-            <a:r>
-              <a:rPr lang="en-US" altLang="zh-CN"/>
-              <a:t>-</a:t>
-            </a:r>
-            <a:endParaRPr lang="en-US" altLang="zh-CN"/>
-          </a:p>
-          <a:p>
-            <a:pPr marL="0" indent="0">
-              <a:buNone/>
-            </a:pPr>
-            <a:r>
-              <a:rPr lang="zh-CN" altLang="en-US"/>
-              <a:t>宿金玉</a:t>
-            </a:r>
-            <a:r>
-              <a:rPr lang="en-US" altLang="zh-CN"/>
-              <a:t>-</a:t>
-            </a:r>
-            <a:endParaRPr lang="en-US" altLang="zh-CN"/>
-          </a:p>
-          <a:p>
-            <a:pPr marL="0" indent="0">
-              <a:buNone/>
-            </a:pPr>
-            <a:r>
-              <a:rPr lang="zh-CN" altLang="en-US"/>
-              <a:t>董雨潇</a:t>
-            </a:r>
-            <a:r>
-              <a:rPr lang="en-US" altLang="zh-CN"/>
-              <a:t>-</a:t>
-            </a:r>
-            <a:endParaRPr lang="en-US" altLang="zh-CN"/>
-          </a:p>
-        </p:txBody>
-      </p:sp>
+      <p:pic>
+        <p:nvPicPr>
+          <p:cNvPr id="3" name="图片 2" descr="si1"/>
+          <p:cNvPicPr>
+            <a:picLocks noChangeAspect="1"/>
+          </p:cNvPicPr>
+          <p:nvPr/>
+        </p:nvPicPr>
+        <p:blipFill>
+          <a:blip r:embed="rId1"/>
+          <a:stretch>
+            <a:fillRect/>
+          </a:stretch>
+        </p:blipFill>
+        <p:spPr>
+          <a:xfrm>
+            <a:off x="2089150" y="543560"/>
+            <a:ext cx="8347710" cy="6012180"/>
+          </a:xfrm>
+          <a:prstGeom prst="rect">
+            <a:avLst/>
+          </a:prstGeom>
+        </p:spPr>
+      </p:pic>
     </p:spTree>
   </p:cSld>
   <p:clrMapOvr>
@@ -4661,6 +4582,217 @@
 </file>
 
 <file path=ppt/slides/slide5.xml><?xml version="1.0" encoding="utf-8"?>
+<p:sld xmlns:a="http://schemas.openxmlformats.org/drawingml/2006/main" xmlns:r="http://schemas.openxmlformats.org/officeDocument/2006/relationships" xmlns:p="http://schemas.openxmlformats.org/presentationml/2006/main">
+  <p:cSld>
+    <p:spTree>
+      <p:nvGrpSpPr>
+        <p:cNvPr id="1" name=""/>
+        <p:cNvGrpSpPr/>
+        <p:nvPr/>
+      </p:nvGrpSpPr>
+      <p:grpSpPr/>
+      <p:pic>
+        <p:nvPicPr>
+          <p:cNvPr id="4" name="图片 3" descr="%A}Y}BU@)2@D4RGW9_C0L@W"/>
+          <p:cNvPicPr>
+            <a:picLocks noChangeAspect="1"/>
+          </p:cNvPicPr>
+          <p:nvPr/>
+        </p:nvPicPr>
+        <p:blipFill>
+          <a:blip r:embed="rId1"/>
+          <a:stretch>
+            <a:fillRect/>
+          </a:stretch>
+        </p:blipFill>
+        <p:spPr>
+          <a:xfrm>
+            <a:off x="-990600" y="-18415"/>
+            <a:ext cx="13427710" cy="6884670"/>
+          </a:xfrm>
+          <a:prstGeom prst="rect">
+            <a:avLst/>
+          </a:prstGeom>
+        </p:spPr>
+      </p:pic>
+    </p:spTree>
+  </p:cSld>
+  <p:clrMapOvr>
+    <a:masterClrMapping/>
+  </p:clrMapOvr>
+  <mc:AlternateContent xmlns:mc="http://schemas.openxmlformats.org/markup-compatibility/2006">
+    <mc:Choice xmlns:p14="http://schemas.microsoft.com/office/powerpoint/2010/main" Requires="p14">
+      <p:transition p14:dur="250">
+        <p:fade/>
+      </p:transition>
+    </mc:Choice>
+    <mc:Fallback>
+      <p:transition>
+        <p:fade/>
+      </p:transition>
+    </mc:Fallback>
+  </mc:AlternateContent>
+</p:sld>
+</file>
+
+<file path=ppt/slides/slide6.xml><?xml version="1.0" encoding="utf-8"?>
+<p:sld xmlns:a="http://schemas.openxmlformats.org/drawingml/2006/main" xmlns:r="http://schemas.openxmlformats.org/officeDocument/2006/relationships" xmlns:p="http://schemas.openxmlformats.org/presentationml/2006/main">
+  <p:cSld>
+    <p:spTree>
+      <p:nvGrpSpPr>
+        <p:cNvPr id="1" name=""/>
+        <p:cNvGrpSpPr/>
+        <p:nvPr/>
+      </p:nvGrpSpPr>
+      <p:grpSpPr/>
+      <p:sp>
+        <p:nvSpPr>
+          <p:cNvPr id="2" name="标题 1"/>
+          <p:cNvSpPr>
+            <a:spLocks noGrp="1"/>
+          </p:cNvSpPr>
+          <p:nvPr>
+            <p:ph type="title"/>
+          </p:nvPr>
+        </p:nvSpPr>
+        <p:spPr/>
+        <p:txBody>
+          <a:bodyPr/>
+          <a:p>
+            <a:r>
+              <a:rPr lang="zh-CN" altLang="en-US"/>
+              <a:t>组员分工</a:t>
+            </a:r>
+            <a:endParaRPr lang="zh-CN" altLang="en-US"/>
+          </a:p>
+        </p:txBody>
+      </p:sp>
+      <p:sp>
+        <p:nvSpPr>
+          <p:cNvPr id="3" name="内容占位符 2"/>
+          <p:cNvSpPr>
+            <a:spLocks noGrp="1"/>
+          </p:cNvSpPr>
+          <p:nvPr>
+            <p:ph idx="1"/>
+          </p:nvPr>
+        </p:nvSpPr>
+        <p:spPr/>
+        <p:txBody>
+          <a:bodyPr/>
+          <a:p>
+            <a:pPr marL="0" indent="0">
+              <a:buNone/>
+            </a:pPr>
+            <a:r>
+              <a:rPr lang="zh-CN" altLang="en-US"/>
+              <a:t>前端开发：宿金玉 胡斯庭</a:t>
+            </a:r>
+            <a:endParaRPr lang="zh-CN" altLang="en-US"/>
+          </a:p>
+          <a:p>
+            <a:pPr marL="0" indent="0">
+              <a:buNone/>
+            </a:pPr>
+            <a:r>
+              <a:rPr lang="zh-CN" altLang="en-US"/>
+              <a:t>后端开发：胡斯庭 董雨潇</a:t>
+            </a:r>
+            <a:endParaRPr lang="zh-CN" altLang="en-US"/>
+          </a:p>
+          <a:p>
+            <a:pPr marL="0" indent="0">
+              <a:buNone/>
+            </a:pPr>
+            <a:endParaRPr lang="zh-CN" altLang="en-US"/>
+          </a:p>
+          <a:p>
+            <a:pPr marL="0" indent="0">
+              <a:buNone/>
+            </a:pPr>
+            <a:r>
+              <a:rPr lang="zh-CN" altLang="en-US"/>
+              <a:t>主要负责模块：</a:t>
+            </a:r>
+            <a:endParaRPr lang="en-US" altLang="zh-CN"/>
+          </a:p>
+          <a:p>
+            <a:pPr marL="0" indent="0">
+              <a:buNone/>
+            </a:pPr>
+            <a:r>
+              <a:rPr lang="zh-CN" altLang="en-US"/>
+              <a:t>胡斯庭</a:t>
+            </a:r>
+            <a:r>
+              <a:rPr lang="en-US" altLang="zh-CN"/>
+              <a:t>-</a:t>
+            </a:r>
+            <a:r>
+              <a:rPr lang="zh-CN" altLang="en-US"/>
+              <a:t>用户模块，探索模块，登录模块，权限模块</a:t>
+            </a:r>
+            <a:endParaRPr lang="zh-CN" altLang="en-US"/>
+          </a:p>
+          <a:p>
+            <a:pPr marL="0" indent="0">
+              <a:buNone/>
+            </a:pPr>
+            <a:r>
+              <a:rPr lang="zh-CN" altLang="en-US"/>
+              <a:t>宿金玉</a:t>
+            </a:r>
+            <a:r>
+              <a:rPr lang="en-US" altLang="zh-CN"/>
+              <a:t>-</a:t>
+            </a:r>
+            <a:r>
+              <a:rPr lang="zh-CN" altLang="en-US"/>
+              <a:t>注册模块、评论评分模块、点赞举报、作品展示模块</a:t>
+            </a:r>
+            <a:endParaRPr lang="en-US" altLang="zh-CN"/>
+          </a:p>
+          <a:p>
+            <a:pPr marL="0" indent="0">
+              <a:buNone/>
+            </a:pPr>
+            <a:r>
+              <a:rPr lang="zh-CN" altLang="en-US"/>
+              <a:t>董雨潇</a:t>
+            </a:r>
+            <a:r>
+              <a:rPr lang="en-US" altLang="zh-CN"/>
+              <a:t>-</a:t>
+            </a:r>
+            <a:r>
+              <a:rPr lang="zh-CN" altLang="en-US"/>
+              <a:t>图片上传，收藏模块，个人信息模块，敏感词模块</a:t>
+            </a:r>
+            <a:endParaRPr lang="en-US" altLang="zh-CN"/>
+          </a:p>
+        </p:txBody>
+      </p:sp>
+    </p:spTree>
+  </p:cSld>
+  <p:clrMapOvr>
+    <a:masterClrMapping/>
+  </p:clrMapOvr>
+  <mc:AlternateContent xmlns:mc="http://schemas.openxmlformats.org/markup-compatibility/2006">
+    <mc:Choice xmlns:p14="http://schemas.microsoft.com/office/powerpoint/2010/main" Requires="p14">
+      <p:transition p14:dur="250">
+        <p:fade/>
+      </p:transition>
+    </mc:Choice>
+    <mc:Fallback>
+      <p:transition>
+        <p:fade/>
+      </p:transition>
+    </mc:Fallback>
+  </mc:AlternateContent>
+</p:sld>
+</file>
+
+<file path=ppt/slides/slide7.xml><?xml version="1.0" encoding="utf-8"?>
 <p:sld xmlns:a="http://schemas.openxmlformats.org/drawingml/2006/main" xmlns:r="http://schemas.openxmlformats.org/officeDocument/2006/relationships" xmlns:p="http://schemas.openxmlformats.org/presentationml/2006/main">
   <p:cSld>
     <p:spTree>
@@ -5245,7 +5377,7 @@
 </p:sld>
 </file>
 
-<file path=ppt/slides/slide6.xml><?xml version="1.0" encoding="utf-8"?>
+<file path=ppt/slides/slide8.xml><?xml version="1.0" encoding="utf-8"?>
 <p:sld xmlns:a="http://schemas.openxmlformats.org/drawingml/2006/main" xmlns:r="http://schemas.openxmlformats.org/officeDocument/2006/relationships" xmlns:p="http://schemas.openxmlformats.org/presentationml/2006/main">
   <p:cSld>
     <p:spTree>
@@ -5883,7 +6015,7 @@
 </p:sld>
 </file>
 
-<file path=ppt/slides/slide7.xml><?xml version="1.0" encoding="utf-8"?>
+<file path=ppt/slides/slide9.xml><?xml version="1.0" encoding="utf-8"?>
 <p:sld xmlns:a="http://schemas.openxmlformats.org/drawingml/2006/main" xmlns:r="http://schemas.openxmlformats.org/officeDocument/2006/relationships" xmlns:p="http://schemas.openxmlformats.org/presentationml/2006/main">
   <p:cSld>
     <p:spTree>
